--- a/PPT/Team presentation-3.pptx
+++ b/PPT/Team presentation-3.pptx
@@ -284,7 +284,7 @@
           <a:p>
             <a:fld id="{90E59E8F-6123-4561-BAFC-04179EDCBAB7}" type="datetimeFigureOut">
               <a:rPr lang="en-US" smtClean="0"/>
-              <a:t>4/23/2020</a:t>
+              <a:t>4/24/2020</a:t>
             </a:fld>
             <a:endParaRPr lang="en-US"/>
           </a:p>
@@ -454,7 +454,7 @@
           <a:p>
             <a:fld id="{90E59E8F-6123-4561-BAFC-04179EDCBAB7}" type="datetimeFigureOut">
               <a:rPr lang="en-US" smtClean="0"/>
-              <a:t>4/23/2020</a:t>
+              <a:t>4/24/2020</a:t>
             </a:fld>
             <a:endParaRPr lang="en-US"/>
           </a:p>
@@ -634,7 +634,7 @@
           <a:p>
             <a:fld id="{90E59E8F-6123-4561-BAFC-04179EDCBAB7}" type="datetimeFigureOut">
               <a:rPr lang="en-US" smtClean="0"/>
-              <a:t>4/23/2020</a:t>
+              <a:t>4/24/2020</a:t>
             </a:fld>
             <a:endParaRPr lang="en-US"/>
           </a:p>
@@ -804,7 +804,7 @@
           <a:p>
             <a:fld id="{90E59E8F-6123-4561-BAFC-04179EDCBAB7}" type="datetimeFigureOut">
               <a:rPr lang="en-US" smtClean="0"/>
-              <a:t>4/23/2020</a:t>
+              <a:t>4/24/2020</a:t>
             </a:fld>
             <a:endParaRPr lang="en-US"/>
           </a:p>
@@ -1072,7 +1072,7 @@
           <a:p>
             <a:fld id="{90E59E8F-6123-4561-BAFC-04179EDCBAB7}" type="datetimeFigureOut">
               <a:rPr lang="en-US" smtClean="0"/>
-              <a:t>4/23/2020</a:t>
+              <a:t>4/24/2020</a:t>
             </a:fld>
             <a:endParaRPr lang="en-US"/>
           </a:p>
@@ -1304,7 +1304,7 @@
           <a:p>
             <a:fld id="{90E59E8F-6123-4561-BAFC-04179EDCBAB7}" type="datetimeFigureOut">
               <a:rPr lang="en-US" smtClean="0"/>
-              <a:t>4/23/2020</a:t>
+              <a:t>4/24/2020</a:t>
             </a:fld>
             <a:endParaRPr lang="en-US"/>
           </a:p>
@@ -1663,7 +1663,7 @@
           <a:p>
             <a:fld id="{90E59E8F-6123-4561-BAFC-04179EDCBAB7}" type="datetimeFigureOut">
               <a:rPr lang="en-US" smtClean="0"/>
-              <a:t>4/23/2020</a:t>
+              <a:t>4/24/2020</a:t>
             </a:fld>
             <a:endParaRPr lang="en-US"/>
           </a:p>
@@ -1804,7 +1804,7 @@
           <a:p>
             <a:fld id="{90E59E8F-6123-4561-BAFC-04179EDCBAB7}" type="datetimeFigureOut">
               <a:rPr lang="en-US" smtClean="0"/>
-              <a:t>4/23/2020</a:t>
+              <a:t>4/24/2020</a:t>
             </a:fld>
             <a:endParaRPr lang="en-US"/>
           </a:p>
@@ -1899,7 +1899,7 @@
           <a:p>
             <a:fld id="{90E59E8F-6123-4561-BAFC-04179EDCBAB7}" type="datetimeFigureOut">
               <a:rPr lang="en-US" smtClean="0"/>
-              <a:t>4/23/2020</a:t>
+              <a:t>4/24/2020</a:t>
             </a:fld>
             <a:endParaRPr lang="en-US"/>
           </a:p>
@@ -2256,7 +2256,7 @@
           <a:p>
             <a:fld id="{90E59E8F-6123-4561-BAFC-04179EDCBAB7}" type="datetimeFigureOut">
               <a:rPr lang="en-US" smtClean="0"/>
-              <a:t>4/23/2020</a:t>
+              <a:t>4/24/2020</a:t>
             </a:fld>
             <a:endParaRPr lang="en-US"/>
           </a:p>
@@ -2613,7 +2613,7 @@
           <a:p>
             <a:fld id="{90E59E8F-6123-4561-BAFC-04179EDCBAB7}" type="datetimeFigureOut">
               <a:rPr lang="en-US" smtClean="0"/>
-              <a:t>4/23/2020</a:t>
+              <a:t>4/24/2020</a:t>
             </a:fld>
             <a:endParaRPr lang="en-US"/>
           </a:p>
@@ -2854,7 +2854,7 @@
           <a:p>
             <a:fld id="{90E59E8F-6123-4561-BAFC-04179EDCBAB7}" type="datetimeFigureOut">
               <a:rPr lang="en-US" smtClean="0"/>
-              <a:t>4/23/2020</a:t>
+              <a:t>4/24/2020</a:t>
             </a:fld>
             <a:endParaRPr lang="en-US"/>
           </a:p>
@@ -3327,6 +3327,10 @@
               <a:rPr lang="en-US" altLang="zh-TW" sz="2700" dirty="0"/>
               <a:t>Team presentation-3</a:t>
             </a:r>
+            <a:r>
+              <a:rPr lang="en-US" altLang="zh-TW" dirty="0"/>
+              <a:t/>
+            </a:r>
             <a:br>
               <a:rPr lang="en-US" altLang="zh-TW" dirty="0"/>
             </a:br>
@@ -9965,7 +9969,7 @@
               <a:t>如何進行機器學習</a:t>
             </a:r>
             <a:r>
-              <a:rPr lang="en-US" altLang="zh-CN" sz="2000" b="1">
+              <a:rPr lang="en-US" altLang="zh-CN" sz="2000" b="1" dirty="0">
                 <a:solidFill>
                   <a:schemeClr val="accent2">
                     <a:lumMod val="50000"/>
@@ -9977,32 +9981,50 @@
               </a:rPr>
               <a:t>? </a:t>
             </a:r>
-            <a:endParaRPr lang="en-US" altLang="zh-CN" sz="2000" b="1" dirty="0">
+          </a:p>
+          <a:p>
+            <a:pPr lvl="1"/>
+            <a:r>
+              <a:rPr lang="en-US" altLang="zh-CN" sz="1800" b="1" dirty="0">
+                <a:solidFill>
+                  <a:srgbClr val="FF0000"/>
+                </a:solidFill>
+                <a:latin typeface="Calibri" panose="020F0502020204030204" pitchFamily="34" charset="0"/>
+                <a:ea typeface="Yuanti SC" panose="02010600040101010101" pitchFamily="2" charset="-122"/>
+                <a:cs typeface="Calibri" panose="020F0502020204030204" pitchFamily="34" charset="0"/>
+              </a:rPr>
+              <a:t>Problem Transformation </a:t>
+            </a:r>
+            <a:r>
+              <a:rPr lang="en-US" altLang="zh-CN" sz="1800" b="1" dirty="0" smtClean="0">
+                <a:solidFill>
+                  <a:srgbClr val="FF0000"/>
+                </a:solidFill>
+                <a:latin typeface="Calibri" panose="020F0502020204030204" pitchFamily="34" charset="0"/>
+                <a:ea typeface="Yuanti SC" panose="02010600040101010101" pitchFamily="2" charset="-122"/>
+                <a:cs typeface="Calibri" panose="020F0502020204030204" pitchFamily="34" charset="0"/>
+              </a:rPr>
+              <a:t>Method</a:t>
+            </a:r>
+            <a:r>
+              <a:rPr lang="zh-TW" altLang="en-US" sz="1800" b="1" dirty="0" smtClean="0">
+                <a:solidFill>
+                  <a:srgbClr val="FF0000"/>
+                </a:solidFill>
+                <a:latin typeface="Calibri" panose="020F0502020204030204" pitchFamily="34" charset="0"/>
+                <a:ea typeface="Yuanti SC" panose="02010600040101010101" pitchFamily="2" charset="-122"/>
+                <a:cs typeface="Calibri" panose="020F0502020204030204" pitchFamily="34" charset="0"/>
+              </a:rPr>
+              <a:t> </a:t>
+            </a:r>
+            <a:endParaRPr lang="en-US" altLang="zh-CN" sz="1800" b="1" dirty="0">
               <a:solidFill>
-                <a:schemeClr val="accent2">
-                  <a:lumMod val="50000"/>
-                </a:schemeClr>
+                <a:srgbClr val="FF0000"/>
               </a:solidFill>
               <a:latin typeface="Calibri" panose="020F0502020204030204" pitchFamily="34" charset="0"/>
               <a:ea typeface="Yuanti SC" panose="02010600040101010101" pitchFamily="2" charset="-122"/>
               <a:cs typeface="Calibri" panose="020F0502020204030204" pitchFamily="34" charset="0"/>
             </a:endParaRPr>
-          </a:p>
-          <a:p>
-            <a:pPr lvl="1"/>
-            <a:r>
-              <a:rPr lang="en-US" altLang="zh-CN" sz="1800" dirty="0">
-                <a:solidFill>
-                  <a:schemeClr val="accent2">
-                    <a:lumMod val="50000"/>
-                  </a:schemeClr>
-                </a:solidFill>
-                <a:latin typeface="Calibri" panose="020F0502020204030204" pitchFamily="34" charset="0"/>
-                <a:ea typeface="Yuanti SC" panose="02010600040101010101" pitchFamily="2" charset="-122"/>
-                <a:cs typeface="Calibri" panose="020F0502020204030204" pitchFamily="34" charset="0"/>
-              </a:rPr>
-              <a:t>Problem Transformation Method</a:t>
-            </a:r>
           </a:p>
           <a:p>
             <a:pPr lvl="1"/>

--- a/PPT/Team presentation-3.pptx
+++ b/PPT/Team presentation-3.pptx
@@ -121,6 +121,35 @@
 </p:presentation>
 </file>
 
+<file path=ppt/changesInfos/changesInfo1.xml><?xml version="1.0" encoding="utf-8"?>
+<pc:chgInfo xmlns:a="http://schemas.openxmlformats.org/drawingml/2006/main" xmlns:r="http://schemas.openxmlformats.org/officeDocument/2006/relationships" xmlns:ac="http://schemas.microsoft.com/office/drawing/2013/main/command" xmlns:pc="http://schemas.microsoft.com/office/powerpoint/2013/main/command">
+  <pc:docChgLst>
+    <pc:chgData name="Weber Huang" userId="20bfa99d8456790a" providerId="LiveId" clId="{A3440A70-F590-40F5-A29A-97F543AB5C4C}"/>
+    <pc:docChg chg="modSld">
+      <pc:chgData name="Weber Huang" userId="20bfa99d8456790a" providerId="LiveId" clId="{A3440A70-F590-40F5-A29A-97F543AB5C4C}" dt="2020-05-14T03:02:36.983" v="3" actId="20577"/>
+      <pc:docMkLst>
+        <pc:docMk/>
+      </pc:docMkLst>
+      <pc:sldChg chg="modSp mod">
+        <pc:chgData name="Weber Huang" userId="20bfa99d8456790a" providerId="LiveId" clId="{A3440A70-F590-40F5-A29A-97F543AB5C4C}" dt="2020-05-14T03:02:36.983" v="3" actId="20577"/>
+        <pc:sldMkLst>
+          <pc:docMk/>
+          <pc:sldMk cId="3486577428" sldId="256"/>
+        </pc:sldMkLst>
+        <pc:spChg chg="mod">
+          <ac:chgData name="Weber Huang" userId="20bfa99d8456790a" providerId="LiveId" clId="{A3440A70-F590-40F5-A29A-97F543AB5C4C}" dt="2020-05-14T03:02:36.983" v="3" actId="20577"/>
+          <ac:spMkLst>
+            <pc:docMk/>
+            <pc:sldMk cId="3486577428" sldId="256"/>
+            <ac:spMk id="2" creationId="{00000000-0000-0000-0000-000000000000}"/>
+          </ac:spMkLst>
+        </pc:spChg>
+      </pc:sldChg>
+    </pc:docChg>
+  </pc:docChgLst>
+</pc:chgInfo>
+</file>
+
 <file path=ppt/slideLayouts/slideLayout1.xml><?xml version="1.0" encoding="utf-8"?>
 <p:sldLayout xmlns:a="http://schemas.openxmlformats.org/drawingml/2006/main" xmlns:r="http://schemas.openxmlformats.org/officeDocument/2006/relationships" xmlns:p="http://schemas.openxmlformats.org/presentationml/2006/main" type="title" preserve="1">
   <p:cSld name="標題投影片">
@@ -284,7 +313,7 @@
           <a:p>
             <a:fld id="{90E59E8F-6123-4561-BAFC-04179EDCBAB7}" type="datetimeFigureOut">
               <a:rPr lang="en-US" smtClean="0"/>
-              <a:t>4/24/2020</a:t>
+              <a:t>5/14/2020</a:t>
             </a:fld>
             <a:endParaRPr lang="en-US"/>
           </a:p>
@@ -454,7 +483,7 @@
           <a:p>
             <a:fld id="{90E59E8F-6123-4561-BAFC-04179EDCBAB7}" type="datetimeFigureOut">
               <a:rPr lang="en-US" smtClean="0"/>
-              <a:t>4/24/2020</a:t>
+              <a:t>5/14/2020</a:t>
             </a:fld>
             <a:endParaRPr lang="en-US"/>
           </a:p>
@@ -634,7 +663,7 @@
           <a:p>
             <a:fld id="{90E59E8F-6123-4561-BAFC-04179EDCBAB7}" type="datetimeFigureOut">
               <a:rPr lang="en-US" smtClean="0"/>
-              <a:t>4/24/2020</a:t>
+              <a:t>5/14/2020</a:t>
             </a:fld>
             <a:endParaRPr lang="en-US"/>
           </a:p>
@@ -804,7 +833,7 @@
           <a:p>
             <a:fld id="{90E59E8F-6123-4561-BAFC-04179EDCBAB7}" type="datetimeFigureOut">
               <a:rPr lang="en-US" smtClean="0"/>
-              <a:t>4/24/2020</a:t>
+              <a:t>5/14/2020</a:t>
             </a:fld>
             <a:endParaRPr lang="en-US"/>
           </a:p>
@@ -1072,7 +1101,7 @@
           <a:p>
             <a:fld id="{90E59E8F-6123-4561-BAFC-04179EDCBAB7}" type="datetimeFigureOut">
               <a:rPr lang="en-US" smtClean="0"/>
-              <a:t>4/24/2020</a:t>
+              <a:t>5/14/2020</a:t>
             </a:fld>
             <a:endParaRPr lang="en-US"/>
           </a:p>
@@ -1304,7 +1333,7 @@
           <a:p>
             <a:fld id="{90E59E8F-6123-4561-BAFC-04179EDCBAB7}" type="datetimeFigureOut">
               <a:rPr lang="en-US" smtClean="0"/>
-              <a:t>4/24/2020</a:t>
+              <a:t>5/14/2020</a:t>
             </a:fld>
             <a:endParaRPr lang="en-US"/>
           </a:p>
@@ -1663,7 +1692,7 @@
           <a:p>
             <a:fld id="{90E59E8F-6123-4561-BAFC-04179EDCBAB7}" type="datetimeFigureOut">
               <a:rPr lang="en-US" smtClean="0"/>
-              <a:t>4/24/2020</a:t>
+              <a:t>5/14/2020</a:t>
             </a:fld>
             <a:endParaRPr lang="en-US"/>
           </a:p>
@@ -1804,7 +1833,7 @@
           <a:p>
             <a:fld id="{90E59E8F-6123-4561-BAFC-04179EDCBAB7}" type="datetimeFigureOut">
               <a:rPr lang="en-US" smtClean="0"/>
-              <a:t>4/24/2020</a:t>
+              <a:t>5/14/2020</a:t>
             </a:fld>
             <a:endParaRPr lang="en-US"/>
           </a:p>
@@ -1899,7 +1928,7 @@
           <a:p>
             <a:fld id="{90E59E8F-6123-4561-BAFC-04179EDCBAB7}" type="datetimeFigureOut">
               <a:rPr lang="en-US" smtClean="0"/>
-              <a:t>4/24/2020</a:t>
+              <a:t>5/14/2020</a:t>
             </a:fld>
             <a:endParaRPr lang="en-US"/>
           </a:p>
@@ -2256,7 +2285,7 @@
           <a:p>
             <a:fld id="{90E59E8F-6123-4561-BAFC-04179EDCBAB7}" type="datetimeFigureOut">
               <a:rPr lang="en-US" smtClean="0"/>
-              <a:t>4/24/2020</a:t>
+              <a:t>5/14/2020</a:t>
             </a:fld>
             <a:endParaRPr lang="en-US"/>
           </a:p>
@@ -2613,7 +2642,7 @@
           <a:p>
             <a:fld id="{90E59E8F-6123-4561-BAFC-04179EDCBAB7}" type="datetimeFigureOut">
               <a:rPr lang="en-US" smtClean="0"/>
-              <a:t>4/24/2020</a:t>
+              <a:t>5/14/2020</a:t>
             </a:fld>
             <a:endParaRPr lang="en-US"/>
           </a:p>
@@ -2854,7 +2883,7 @@
           <a:p>
             <a:fld id="{90E59E8F-6123-4561-BAFC-04179EDCBAB7}" type="datetimeFigureOut">
               <a:rPr lang="en-US" smtClean="0"/>
-              <a:t>4/24/2020</a:t>
+              <a:t>5/14/2020</a:t>
             </a:fld>
             <a:endParaRPr lang="en-US"/>
           </a:p>
@@ -3324,12 +3353,8 @@
           <a:lstStyle/>
           <a:p>
             <a:r>
-              <a:rPr lang="en-US" altLang="zh-TW" sz="2700" dirty="0"/>
-              <a:t>Team presentation-3</a:t>
-            </a:r>
-            <a:r>
-              <a:rPr lang="en-US" altLang="zh-TW" dirty="0"/>
-              <a:t/>
+              <a:rPr lang="en-US" altLang="zh-TW" sz="2700"/>
+              <a:t>Team presentation-4</a:t>
             </a:r>
             <a:br>
               <a:rPr lang="en-US" altLang="zh-TW" dirty="0"/>
@@ -9993,21 +10018,10 @@
                 <a:ea typeface="Yuanti SC" panose="02010600040101010101" pitchFamily="2" charset="-122"/>
                 <a:cs typeface="Calibri" panose="020F0502020204030204" pitchFamily="34" charset="0"/>
               </a:rPr>
-              <a:t>Problem Transformation </a:t>
-            </a:r>
-            <a:r>
-              <a:rPr lang="en-US" altLang="zh-CN" sz="1800" b="1" dirty="0" smtClean="0">
-                <a:solidFill>
-                  <a:srgbClr val="FF0000"/>
-                </a:solidFill>
-                <a:latin typeface="Calibri" panose="020F0502020204030204" pitchFamily="34" charset="0"/>
-                <a:ea typeface="Yuanti SC" panose="02010600040101010101" pitchFamily="2" charset="-122"/>
-                <a:cs typeface="Calibri" panose="020F0502020204030204" pitchFamily="34" charset="0"/>
-              </a:rPr>
-              <a:t>Method</a:t>
-            </a:r>
-            <a:r>
-              <a:rPr lang="zh-TW" altLang="en-US" sz="1800" b="1" dirty="0" smtClean="0">
+              <a:t>Problem Transformation Method</a:t>
+            </a:r>
+            <a:r>
+              <a:rPr lang="zh-TW" altLang="en-US" sz="1800" b="1" dirty="0">
                 <a:solidFill>
                   <a:srgbClr val="FF0000"/>
                 </a:solidFill>
